--- a/topic01-introduction/unit-01a-lectures/talk-2/a-fp-intro.pptx
+++ b/topic01-introduction/unit-01a-lectures/talk-2/a-fp-intro.pptx
@@ -5,10 +5,10 @@
     <p:sldMasterId id="2147484660" r:id="rId1"/>
   </p:sldMasterIdLst>
   <p:notesMasterIdLst>
-    <p:notesMasterId r:id="rId16"/>
+    <p:notesMasterId r:id="rId15"/>
   </p:notesMasterIdLst>
   <p:handoutMasterIdLst>
-    <p:handoutMasterId r:id="rId17"/>
+    <p:handoutMasterId r:id="rId16"/>
   </p:handoutMasterIdLst>
   <p:sldIdLst>
     <p:sldId id="322" r:id="rId2"/>
@@ -19,12 +19,11 @@
     <p:sldId id="366" r:id="rId7"/>
     <p:sldId id="368" r:id="rId8"/>
     <p:sldId id="372" r:id="rId9"/>
-    <p:sldId id="374" r:id="rId10"/>
-    <p:sldId id="373" r:id="rId11"/>
-    <p:sldId id="370" r:id="rId12"/>
-    <p:sldId id="369" r:id="rId13"/>
-    <p:sldId id="371" r:id="rId14"/>
-    <p:sldId id="326" r:id="rId15"/>
+    <p:sldId id="373" r:id="rId10"/>
+    <p:sldId id="370" r:id="rId11"/>
+    <p:sldId id="369" r:id="rId12"/>
+    <p:sldId id="371" r:id="rId13"/>
+    <p:sldId id="326" r:id="rId14"/>
   </p:sldIdLst>
   <p:sldSz cx="12192000" cy="6858000"/>
   <p:notesSz cx="6858000" cy="9144000"/>
@@ -1010,6 +1009,13 @@
             <a:schemeClr val="lt1"/>
           </a:fontRef>
         </p:style>
+        <p:txBody>
+          <a:bodyPr/>
+          <a:lstStyle/>
+          <a:p>
+            <a:endParaRPr lang="en-US"/>
+          </a:p>
+        </p:txBody>
       </p:sp>
       <p:sp>
         <p:nvSpPr>
@@ -1048,6 +1054,13 @@
             <a:schemeClr val="lt1"/>
           </a:fontRef>
         </p:style>
+        <p:txBody>
+          <a:bodyPr/>
+          <a:lstStyle/>
+          <a:p>
+            <a:endParaRPr lang="en-US"/>
+          </a:p>
+        </p:txBody>
       </p:sp>
       <p:sp>
         <p:nvSpPr>
@@ -1173,7 +1186,7 @@
               <a:pPr>
                 <a:defRPr/>
               </a:pPr>
-              <a:t>1/20/25</a:t>
+              <a:t>1/19/26</a:t>
             </a:fld>
             <a:endParaRPr lang="en-US" altLang="en-US"/>
           </a:p>
@@ -1602,7 +1615,7 @@
               <a:pPr>
                 <a:defRPr/>
               </a:pPr>
-              <a:t>1/20/25</a:t>
+              <a:t>1/19/26</a:t>
             </a:fld>
             <a:endParaRPr lang="en-US" altLang="en-US"/>
           </a:p>
@@ -1954,7 +1967,7 @@
               <a:pPr>
                 <a:defRPr/>
               </a:pPr>
-              <a:t>1/20/25</a:t>
+              <a:t>1/19/26</a:t>
             </a:fld>
             <a:endParaRPr lang="en-US" altLang="en-US"/>
           </a:p>
@@ -2375,7 +2388,7 @@
               <a:pPr>
                 <a:defRPr/>
               </a:pPr>
-              <a:t>1/20/25</a:t>
+              <a:t>1/19/26</a:t>
             </a:fld>
             <a:endParaRPr lang="en-US" altLang="en-US"/>
           </a:p>
@@ -2959,7 +2972,7 @@
               <a:pPr>
                 <a:defRPr/>
               </a:pPr>
-              <a:t>1/20/25</a:t>
+              <a:t>1/19/26</a:t>
             </a:fld>
             <a:endParaRPr lang="en-US" altLang="en-US"/>
           </a:p>
@@ -3656,7 +3669,7 @@
               <a:pPr>
                 <a:defRPr/>
               </a:pPr>
-              <a:t>1/20/25</a:t>
+              <a:t>1/19/26</a:t>
             </a:fld>
             <a:endParaRPr lang="en-US" altLang="en-US"/>
           </a:p>
@@ -4585,7 +4598,7 @@
               <a:pPr>
                 <a:defRPr/>
               </a:pPr>
-              <a:t>1/20/25</a:t>
+              <a:t>1/19/26</a:t>
             </a:fld>
             <a:endParaRPr lang="en-US" altLang="en-US"/>
           </a:p>
@@ -4914,7 +4927,7 @@
               <a:pPr>
                 <a:defRPr/>
               </a:pPr>
-              <a:t>1/20/25</a:t>
+              <a:t>1/19/26</a:t>
             </a:fld>
             <a:endParaRPr lang="en-US" altLang="en-US"/>
           </a:p>
@@ -5196,7 +5209,7 @@
               <a:pPr>
                 <a:defRPr/>
               </a:pPr>
-              <a:t>1/20/25</a:t>
+              <a:t>1/19/26</a:t>
             </a:fld>
             <a:endParaRPr lang="en-US" altLang="en-US"/>
           </a:p>
@@ -5537,7 +5550,7 @@
               <a:pPr>
                 <a:defRPr/>
               </a:pPr>
-              <a:t>1/20/25</a:t>
+              <a:t>1/19/26</a:t>
             </a:fld>
             <a:endParaRPr lang="en-US" altLang="en-US"/>
           </a:p>
@@ -5941,7 +5954,7 @@
               <a:pPr>
                 <a:defRPr/>
               </a:pPr>
-              <a:t>1/20/25</a:t>
+              <a:t>1/19/26</a:t>
             </a:fld>
             <a:endParaRPr lang="en-US" altLang="en-US"/>
           </a:p>
@@ -6332,7 +6345,7 @@
               <a:pPr>
                 <a:defRPr/>
               </a:pPr>
-              <a:t>1/20/25</a:t>
+              <a:t>1/19/26</a:t>
             </a:fld>
             <a:endParaRPr lang="en-US" altLang="en-US"/>
           </a:p>
@@ -6853,7 +6866,7 @@
               <a:pPr>
                 <a:defRPr/>
               </a:pPr>
-              <a:t>1/20/25</a:t>
+              <a:t>1/19/26</a:t>
             </a:fld>
             <a:endParaRPr lang="en-US" altLang="en-US"/>
           </a:p>
@@ -7125,7 +7138,7 @@
               <a:pPr>
                 <a:defRPr/>
               </a:pPr>
-              <a:t>1/20/25</a:t>
+              <a:t>1/19/26</a:t>
             </a:fld>
             <a:endParaRPr lang="en-US" altLang="en-US"/>
           </a:p>
@@ -7303,7 +7316,7 @@
               <a:pPr>
                 <a:defRPr/>
               </a:pPr>
-              <a:t>1/20/25</a:t>
+              <a:t>1/19/26</a:t>
             </a:fld>
             <a:endParaRPr lang="en-US" altLang="en-US"/>
           </a:p>
@@ -7708,7 +7721,7 @@
               <a:pPr>
                 <a:defRPr/>
               </a:pPr>
-              <a:t>1/20/25</a:t>
+              <a:t>1/19/26</a:t>
             </a:fld>
             <a:endParaRPr lang="en-US" altLang="en-US"/>
           </a:p>
@@ -8135,7 +8148,7 @@
               <a:pPr>
                 <a:defRPr/>
               </a:pPr>
-              <a:t>1/20/25</a:t>
+              <a:t>1/19/26</a:t>
             </a:fld>
             <a:endParaRPr lang="en-US" altLang="en-US"/>
           </a:p>
@@ -8397,7 +8410,7 @@
               <a:pPr>
                 <a:defRPr/>
               </a:pPr>
-              <a:t>1/20/25</a:t>
+              <a:t>1/19/26</a:t>
             </a:fld>
             <a:endParaRPr lang="en-US" altLang="en-US"/>
           </a:p>
@@ -8836,88 +8849,20 @@
             <a:spLocks noGrp="1"/>
           </p:cNvSpPr>
           <p:nvPr>
-            <p:ph type="ctrTitle"/>
+            <p:ph type="title"/>
           </p:nvPr>
         </p:nvSpPr>
-        <p:spPr>
-          <a:xfrm>
-            <a:off x="2174875" y="914400"/>
-            <a:ext cx="7772400" cy="1470025"/>
-          </a:xfrm>
-        </p:spPr>
+        <p:spPr/>
         <p:txBody>
-          <a:bodyPr/>
+          <a:bodyPr>
+            <a:normAutofit fontScale="90000"/>
+          </a:bodyPr>
           <a:lstStyle/>
           <a:p>
             <a:pPr algn="l" eaLnBrk="1" hangingPunct="1"/>
             <a:r>
               <a:rPr lang="en-IE" altLang="en-US" sz="4000" dirty="0"/>
               <a:t>Functional Programming</a:t>
-            </a:r>
-          </a:p>
-        </p:txBody>
-      </p:sp>
-      <p:sp>
-        <p:nvSpPr>
-          <p:cNvPr id="3" name="Subtitle 2">
-            <a:extLst>
-              <a:ext uri="{FF2B5EF4-FFF2-40B4-BE49-F238E27FC236}">
-                <a16:creationId xmlns:a16="http://schemas.microsoft.com/office/drawing/2014/main" id="{53F7901D-DBD7-E326-A460-9A21C6216EBD}"/>
-              </a:ext>
-            </a:extLst>
-          </p:cNvPr>
-          <p:cNvSpPr>
-            <a:spLocks noGrp="1"/>
-          </p:cNvSpPr>
-          <p:nvPr>
-            <p:ph type="subTitle" idx="1"/>
-          </p:nvPr>
-        </p:nvSpPr>
-        <p:spPr>
-          <a:xfrm>
-            <a:off x="1638300" y="3810000"/>
-            <a:ext cx="1866900" cy="1066800"/>
-          </a:xfrm>
-        </p:spPr>
-        <p:txBody>
-          <a:bodyPr rtlCol="0">
-            <a:normAutofit/>
-          </a:bodyPr>
-          <a:lstStyle/>
-          <a:p>
-            <a:pPr algn="r" eaLnBrk="1" fontAlgn="auto" hangingPunct="1">
-              <a:lnSpc>
-                <a:spcPct val="110000"/>
-              </a:lnSpc>
-              <a:spcBef>
-                <a:spcPts val="0"/>
-              </a:spcBef>
-              <a:spcAft>
-                <a:spcPts val="0"/>
-              </a:spcAft>
-              <a:defRPr/>
-            </a:pPr>
-            <a:r>
-              <a:rPr lang="en-IE" sz="2400" dirty="0"/>
-              <a:t>Produced </a:t>
-            </a:r>
-          </a:p>
-          <a:p>
-            <a:pPr algn="r" eaLnBrk="1" fontAlgn="auto" hangingPunct="1">
-              <a:lnSpc>
-                <a:spcPct val="110000"/>
-              </a:lnSpc>
-              <a:spcBef>
-                <a:spcPts val="0"/>
-              </a:spcBef>
-              <a:spcAft>
-                <a:spcPts val="0"/>
-              </a:spcAft>
-              <a:defRPr/>
-            </a:pPr>
-            <a:r>
-              <a:rPr lang="en-IE" sz="2400" dirty="0"/>
-              <a:t>by:</a:t>
             </a:r>
           </a:p>
         </p:txBody>
@@ -9375,105 +9320,6 @@
       </p:grpSpPr>
       <p:sp>
         <p:nvSpPr>
-          <p:cNvPr id="2" name="Title 1">
-            <a:extLst>
-              <a:ext uri="{FF2B5EF4-FFF2-40B4-BE49-F238E27FC236}">
-                <a16:creationId xmlns:a16="http://schemas.microsoft.com/office/drawing/2014/main" id="{17B0CA06-1351-D5B5-6284-3598AE423886}"/>
-              </a:ext>
-            </a:extLst>
-          </p:cNvPr>
-          <p:cNvSpPr>
-            <a:spLocks noGrp="1"/>
-          </p:cNvSpPr>
-          <p:nvPr>
-            <p:ph type="title"/>
-          </p:nvPr>
-        </p:nvSpPr>
-        <p:spPr/>
-        <p:txBody>
-          <a:bodyPr/>
-          <a:lstStyle/>
-          <a:p>
-            <a:pPr>
-              <a:defRPr/>
-            </a:pPr>
-            <a:r>
-              <a:rPr lang="en-US" dirty="0"/>
-              <a:t>Breakdown of Assessment</a:t>
-            </a:r>
-          </a:p>
-        </p:txBody>
-      </p:sp>
-      <p:pic>
-        <p:nvPicPr>
-          <p:cNvPr id="3" name="Picture 2">
-            <a:extLst>
-              <a:ext uri="{FF2B5EF4-FFF2-40B4-BE49-F238E27FC236}">
-                <a16:creationId xmlns:a16="http://schemas.microsoft.com/office/drawing/2014/main" id="{56786703-8311-48E5-7348-11BA15882F29}"/>
-              </a:ext>
-            </a:extLst>
-          </p:cNvPr>
-          <p:cNvPicPr>
-            <a:picLocks noChangeAspect="1"/>
-          </p:cNvPicPr>
-          <p:nvPr/>
-        </p:nvPicPr>
-        <p:blipFill>
-          <a:blip r:embed="rId2"/>
-          <a:stretch>
-            <a:fillRect/>
-          </a:stretch>
-        </p:blipFill>
-        <p:spPr>
-          <a:xfrm>
-            <a:off x="2495600" y="2132856"/>
-            <a:ext cx="6458688" cy="4391908"/>
-          </a:xfrm>
-          <a:prstGeom prst="rect">
-            <a:avLst/>
-          </a:prstGeom>
-          <a:solidFill>
-            <a:schemeClr val="tx1"/>
-          </a:solidFill>
-          <a:ln w="12700">
-            <a:solidFill>
-              <a:schemeClr val="tx1"/>
-            </a:solidFill>
-          </a:ln>
-        </p:spPr>
-      </p:pic>
-    </p:spTree>
-    <p:extLst>
-      <p:ext uri="{BB962C8B-B14F-4D97-AF65-F5344CB8AC3E}">
-        <p14:creationId xmlns:p14="http://schemas.microsoft.com/office/powerpoint/2010/main" val="399040673"/>
-      </p:ext>
-    </p:extLst>
-  </p:cSld>
-  <p:clrMapOvr>
-    <a:masterClrMapping/>
-  </p:clrMapOvr>
-</p:sld>
-</file>
-
-<file path=ppt/slides/slide11.xml><?xml version="1.0" encoding="utf-8"?>
-<p:sld xmlns:a="http://schemas.openxmlformats.org/drawingml/2006/main" xmlns:r="http://schemas.openxmlformats.org/officeDocument/2006/relationships" xmlns:p="http://schemas.openxmlformats.org/presentationml/2006/main">
-  <p:cSld>
-    <p:spTree>
-      <p:nvGrpSpPr>
-        <p:cNvPr id="1" name=""/>
-        <p:cNvGrpSpPr/>
-        <p:nvPr/>
-      </p:nvGrpSpPr>
-      <p:grpSpPr>
-        <a:xfrm>
-          <a:off x="0" y="0"/>
-          <a:ext cx="0" cy="0"/>
-          <a:chOff x="0" y="0"/>
-          <a:chExt cx="0" cy="0"/>
-        </a:xfrm>
-      </p:grpSpPr>
-      <p:sp>
-        <p:nvSpPr>
           <p:cNvPr id="23553" name="Title 1">
             <a:extLst>
               <a:ext uri="{FF2B5EF4-FFF2-40B4-BE49-F238E27FC236}">
@@ -9593,7 +9439,7 @@
               <a:rPr lang="en-IE" altLang="en-US" dirty="0">
                 <a:latin typeface="Trebuchet MS" panose="020B0703020202090204" pitchFamily="34" charset="0"/>
               </a:rPr>
-              <a:t>Work submitted must be your own,</a:t>
+              <a:t>Work submitted must be your fully understood by you,</a:t>
             </a:r>
           </a:p>
           <a:p>
@@ -10466,7 +10312,7 @@
 </p:sld>
 </file>
 
-<file path=ppt/slides/slide12.xml><?xml version="1.0" encoding="utf-8"?>
+<file path=ppt/slides/slide11.xml><?xml version="1.0" encoding="utf-8"?>
 <p:sld xmlns:a="http://schemas.openxmlformats.org/drawingml/2006/main" xmlns:r="http://schemas.openxmlformats.org/officeDocument/2006/relationships" xmlns:p="http://schemas.openxmlformats.org/presentationml/2006/main">
   <p:cSld>
     <p:spTree>
@@ -11045,7 +10891,7 @@
 </p:sld>
 </file>
 
-<file path=ppt/slides/slide13.xml><?xml version="1.0" encoding="utf-8"?>
+<file path=ppt/slides/slide12.xml><?xml version="1.0" encoding="utf-8"?>
 <p:sld xmlns:a="http://schemas.openxmlformats.org/drawingml/2006/main" xmlns:r="http://schemas.openxmlformats.org/officeDocument/2006/relationships" xmlns:p="http://schemas.openxmlformats.org/presentationml/2006/main">
   <p:cSld>
     <p:bg>
@@ -11111,96 +10957,6 @@
           </a:p>
         </p:txBody>
       </p:sp>
-      <p:pic>
-        <p:nvPicPr>
-          <p:cNvPr id="3" name="Content Placeholder 2">
-            <a:extLst>
-              <a:ext uri="{FF2B5EF4-FFF2-40B4-BE49-F238E27FC236}">
-                <a16:creationId xmlns:a16="http://schemas.microsoft.com/office/drawing/2014/main" id="{8E9879FD-6609-A91C-7B19-1A649C44A8D3}"/>
-              </a:ext>
-            </a:extLst>
-          </p:cNvPr>
-          <p:cNvPicPr>
-            <a:picLocks noGrp="1" noChangeAspect="1"/>
-          </p:cNvPicPr>
-          <p:nvPr>
-            <p:ph idx="1"/>
-          </p:nvPr>
-        </p:nvPicPr>
-        <p:blipFill>
-          <a:blip r:embed="rId3"/>
-          <a:stretch>
-            <a:fillRect/>
-          </a:stretch>
-        </p:blipFill>
-        <p:spPr>
-          <a:xfrm>
-            <a:off x="2279576" y="2276872"/>
-            <a:ext cx="6697117" cy="3726032"/>
-          </a:xfrm>
-          <a:gradFill>
-            <a:gsLst>
-              <a:gs pos="0">
-                <a:schemeClr val="accent1">
-                  <a:lumMod val="5000"/>
-                  <a:lumOff val="95000"/>
-                  <a:alpha val="44000"/>
-                </a:schemeClr>
-              </a:gs>
-              <a:gs pos="74000">
-                <a:schemeClr val="accent1">
-                  <a:lumMod val="45000"/>
-                  <a:lumOff val="55000"/>
-                </a:schemeClr>
-              </a:gs>
-              <a:gs pos="83000">
-                <a:schemeClr val="accent1">
-                  <a:lumMod val="45000"/>
-                  <a:lumOff val="55000"/>
-                </a:schemeClr>
-              </a:gs>
-              <a:gs pos="100000">
-                <a:schemeClr val="accent1">
-                  <a:lumMod val="30000"/>
-                  <a:lumOff val="70000"/>
-                </a:schemeClr>
-              </a:gs>
-            </a:gsLst>
-            <a:lin ang="5400000" scaled="1"/>
-          </a:gradFill>
-          <a:ln>
-            <a:gradFill>
-              <a:gsLst>
-                <a:gs pos="0">
-                  <a:schemeClr val="accent1">
-                    <a:lumMod val="5000"/>
-                    <a:lumOff val="95000"/>
-                  </a:schemeClr>
-                </a:gs>
-                <a:gs pos="74000">
-                  <a:schemeClr val="accent1">
-                    <a:lumMod val="45000"/>
-                    <a:lumOff val="55000"/>
-                  </a:schemeClr>
-                </a:gs>
-                <a:gs pos="83000">
-                  <a:schemeClr val="accent1">
-                    <a:lumMod val="45000"/>
-                    <a:lumOff val="55000"/>
-                  </a:schemeClr>
-                </a:gs>
-                <a:gs pos="100000">
-                  <a:schemeClr val="accent1">
-                    <a:lumMod val="30000"/>
-                    <a:lumOff val="70000"/>
-                  </a:schemeClr>
-                </a:gs>
-              </a:gsLst>
-              <a:lin ang="5400000" scaled="1"/>
-            </a:gradFill>
-          </a:ln>
-        </p:spPr>
-      </p:pic>
       <p:sp>
         <p:nvSpPr>
           <p:cNvPr id="25604" name="TextBox 3">
@@ -11217,7 +10973,7 @@
         </p:nvSpPr>
         <p:spPr bwMode="auto">
           <a:xfrm>
-            <a:off x="2855640" y="6227763"/>
+            <a:off x="4187825" y="6235725"/>
             <a:ext cx="3816350" cy="369887"/>
           </a:xfrm>
           <a:prstGeom prst="rect">
@@ -11395,11 +11151,46 @@
             </a:r>
             <a:r>
               <a:rPr lang="en-US" altLang="en-US" sz="1800" dirty="0"/>
-              <a:t>/course/fun-prog-25</a:t>
+              <a:t>/course/fun-prog-26</a:t>
             </a:r>
           </a:p>
         </p:txBody>
       </p:sp>
+      <p:pic>
+        <p:nvPicPr>
+          <p:cNvPr id="6" name="Content Placeholder 5" descr="A screenshot of a computer&#10;&#10;AI-generated content may be incorrect.">
+            <a:extLst>
+              <a:ext uri="{FF2B5EF4-FFF2-40B4-BE49-F238E27FC236}">
+                <a16:creationId xmlns:a16="http://schemas.microsoft.com/office/drawing/2014/main" id="{E0491354-5510-BBF4-ECEC-70141CE3ACA5}"/>
+              </a:ext>
+            </a:extLst>
+          </p:cNvPr>
+          <p:cNvPicPr>
+            <a:picLocks noGrp="1" noChangeAspect="1"/>
+          </p:cNvPicPr>
+          <p:nvPr>
+            <p:ph idx="1"/>
+          </p:nvPr>
+        </p:nvPicPr>
+        <p:blipFill>
+          <a:blip r:embed="rId3">
+            <a:extLst>
+              <a:ext uri="{28A0092B-C50C-407E-A947-70E740481C1C}">
+                <a14:useLocalDpi xmlns:a14="http://schemas.microsoft.com/office/drawing/2010/main" val="0"/>
+              </a:ext>
+            </a:extLst>
+          </a:blip>
+          <a:stretch>
+            <a:fillRect/>
+          </a:stretch>
+        </p:blipFill>
+        <p:spPr>
+          <a:xfrm>
+            <a:off x="2603953" y="2420888"/>
+            <a:ext cx="6984094" cy="3598863"/>
+          </a:xfrm>
+        </p:spPr>
+      </p:pic>
     </p:spTree>
   </p:cSld>
   <p:clrMapOvr>
@@ -11408,7 +11199,7 @@
 </p:sld>
 </file>
 
-<file path=ppt/slides/slide14.xml><?xml version="1.0" encoding="utf-8"?>
+<file path=ppt/slides/slide13.xml><?xml version="1.0" encoding="utf-8"?>
 <p:sld xmlns:a="http://schemas.openxmlformats.org/drawingml/2006/main" xmlns:r="http://schemas.openxmlformats.org/officeDocument/2006/relationships" xmlns:p="http://schemas.openxmlformats.org/presentationml/2006/main">
   <p:cSld>
     <p:spTree>
@@ -14154,40 +13945,6 @@
       </p:sp>
       <p:sp>
         <p:nvSpPr>
-          <p:cNvPr id="19461" name="Content Placeholder 1">
-            <a:extLst>
-              <a:ext uri="{FF2B5EF4-FFF2-40B4-BE49-F238E27FC236}">
-                <a16:creationId xmlns:a16="http://schemas.microsoft.com/office/drawing/2014/main" id="{AF5976BA-9689-FA50-5F7E-B231390AE9A8}"/>
-              </a:ext>
-            </a:extLst>
-          </p:cNvPr>
-          <p:cNvSpPr>
-            <a:spLocks noGrp="1"/>
-          </p:cNvSpPr>
-          <p:nvPr>
-            <p:ph idx="1"/>
-          </p:nvPr>
-        </p:nvSpPr>
-        <p:spPr>
-          <a:xfrm flipH="1">
-            <a:off x="10210800" y="1916113"/>
-            <a:ext cx="2006600" cy="4210050"/>
-          </a:xfrm>
-        </p:spPr>
-        <p:txBody>
-          <a:bodyPr/>
-          <a:lstStyle/>
-          <a:p>
-            <a:pPr marL="0" indent="0">
-              <a:buFont typeface="Arial" panose="020B0604020202020204" pitchFamily="34" charset="0"/>
-              <a:buNone/>
-            </a:pPr>
-            <a:endParaRPr lang="en-US" altLang="en-US"/>
-          </a:p>
-        </p:txBody>
-      </p:sp>
-      <p:sp>
-        <p:nvSpPr>
           <p:cNvPr id="19458" name="TextBox 3">
             <a:extLst>
               <a:ext uri="{FF2B5EF4-FFF2-40B4-BE49-F238E27FC236}">
@@ -14397,7 +14154,7 @@
         <p:spPr>
           <a:xfrm>
             <a:off x="2063750" y="3860800"/>
-            <a:ext cx="2846388" cy="369888"/>
+            <a:ext cx="3095624" cy="646331"/>
           </a:xfrm>
           <a:prstGeom prst="rect">
             <a:avLst/>
@@ -14415,7 +14172,7 @@
           </a:ln>
         </p:spPr>
         <p:txBody>
-          <a:bodyPr wrap="none">
+          <a:bodyPr wrap="square">
             <a:spAutoFit/>
           </a:bodyPr>
           <a:lstStyle/>
@@ -14446,7 +14203,7 @@
         <p:spPr>
           <a:xfrm>
             <a:off x="6383338" y="3860800"/>
-            <a:ext cx="2917825" cy="369888"/>
+            <a:ext cx="3169046" cy="646331"/>
           </a:xfrm>
           <a:prstGeom prst="rect">
             <a:avLst/>
@@ -14464,7 +14221,7 @@
           </a:ln>
         </p:spPr>
         <p:txBody>
-          <a:bodyPr wrap="none">
+          <a:bodyPr wrap="square">
             <a:spAutoFit/>
           </a:bodyPr>
           <a:lstStyle/>
@@ -14698,7 +14455,7 @@
         <p:spPr>
           <a:xfrm>
             <a:off x="6311900" y="4724400"/>
-            <a:ext cx="3455988" cy="1477963"/>
+            <a:ext cx="3528516" cy="2016968"/>
           </a:xfrm>
           <a:prstGeom prst="rect">
             <a:avLst/>
@@ -14710,7 +14467,7 @@
           </a:solidFill>
         </p:spPr>
         <p:txBody>
-          <a:bodyPr>
+          <a:bodyPr wrap="square">
             <a:spAutoFit/>
           </a:bodyPr>
           <a:lstStyle/>
@@ -18628,10 +18385,10 @@
       </p:sp>
       <p:pic>
         <p:nvPicPr>
-          <p:cNvPr id="3" name="Picture 2">
+          <p:cNvPr id="4" name="Picture 3">
             <a:extLst>
               <a:ext uri="{FF2B5EF4-FFF2-40B4-BE49-F238E27FC236}">
-                <a16:creationId xmlns:a16="http://schemas.microsoft.com/office/drawing/2014/main" id="{22D45574-916B-B64B-6603-DBD300D76223}"/>
+                <a16:creationId xmlns:a16="http://schemas.microsoft.com/office/drawing/2014/main" id="{FECB2EF7-4E72-868D-0B13-B21B7CE712E1}"/>
               </a:ext>
             </a:extLst>
           </p:cNvPr>
@@ -18648,17 +18405,12 @@
         </p:blipFill>
         <p:spPr>
           <a:xfrm>
-            <a:off x="2855640" y="2524618"/>
-            <a:ext cx="5880100" cy="3556000"/>
+            <a:off x="3181350" y="2536072"/>
+            <a:ext cx="5829300" cy="3568700"/>
           </a:xfrm>
           <a:prstGeom prst="rect">
             <a:avLst/>
           </a:prstGeom>
-          <a:ln>
-            <a:solidFill>
-              <a:schemeClr val="tx1"/>
-            </a:solidFill>
-          </a:ln>
         </p:spPr>
       </p:pic>
     </p:spTree>
@@ -18712,17 +18464,17 @@
             </a:pPr>
             <a:r>
               <a:rPr lang="en-US" dirty="0"/>
-              <a:t>Breakdown of Classes</a:t>
+              <a:t>Breakdown of Assessment</a:t>
             </a:r>
           </a:p>
         </p:txBody>
       </p:sp>
       <p:pic>
         <p:nvPicPr>
-          <p:cNvPr id="10" name="Picture 9">
+          <p:cNvPr id="5" name="Picture 4" descr="A screenshot of a test&#10;&#10;AI-generated content may be incorrect.">
             <a:extLst>
               <a:ext uri="{FF2B5EF4-FFF2-40B4-BE49-F238E27FC236}">
-                <a16:creationId xmlns:a16="http://schemas.microsoft.com/office/drawing/2014/main" id="{9876782D-4B6B-2499-529B-D572518ED585}"/>
+                <a16:creationId xmlns:a16="http://schemas.microsoft.com/office/drawing/2014/main" id="{7C40EF2A-1C44-1E44-CFB4-63829E862F05}"/>
               </a:ext>
             </a:extLst>
           </p:cNvPr>
@@ -18732,15 +18484,21 @@
           <p:nvPr/>
         </p:nvPicPr>
         <p:blipFill>
-          <a:blip r:embed="rId2"/>
+          <a:blip r:embed="rId2">
+            <a:extLst>
+              <a:ext uri="{28A0092B-C50C-407E-A947-70E740481C1C}">
+                <a14:useLocalDpi xmlns:a14="http://schemas.microsoft.com/office/drawing/2010/main" val="0"/>
+              </a:ext>
+            </a:extLst>
+          </a:blip>
           <a:stretch>
             <a:fillRect/>
           </a:stretch>
         </p:blipFill>
         <p:spPr>
           <a:xfrm>
-            <a:off x="3359696" y="1859673"/>
-            <a:ext cx="5472608" cy="4731701"/>
+            <a:off x="3575720" y="1850294"/>
+            <a:ext cx="4320480" cy="4629936"/>
           </a:xfrm>
           <a:prstGeom prst="rect">
             <a:avLst/>
@@ -18750,7 +18508,7 @@
     </p:spTree>
     <p:extLst>
       <p:ext uri="{BB962C8B-B14F-4D97-AF65-F5344CB8AC3E}">
-        <p14:creationId xmlns:p14="http://schemas.microsoft.com/office/powerpoint/2010/main" val="861229225"/>
+        <p14:creationId xmlns:p14="http://schemas.microsoft.com/office/powerpoint/2010/main" val="399040673"/>
       </p:ext>
     </p:extLst>
   </p:cSld>
